--- a/Project Latex/ORIE 6741 figures.pptx
+++ b/Project Latex/ORIE 6741 figures.pptx
@@ -104,7 +104,16 @@
       </a:defRPr>
     </a:lvl9pPr>
   </p:defaultTextStyle>
+  <p:extLst>
+    <p:ext uri="{EFAFB233-063F-42B5-8137-9DF3F51BA10A}">
+      <p15:sldGuideLst xmlns:p15="http://schemas.microsoft.com/office/powerpoint/2012/main"/>
+    </p:ext>
+  </p:extLst>
 </p:presentation>
+</file>
+
+<file path=ppt/revisionInfo.xml><?xml version="1.0" encoding="utf-8"?>
+<p1510:revInfo xmlns:a="http://schemas.openxmlformats.org/drawingml/2006/main" xmlns:r="http://schemas.openxmlformats.org/officeDocument/2006/relationships" xmlns:p1510="http://schemas.microsoft.com/office/powerpoint/2015/10/main"/>
 </file>
 
 <file path=ppt/slideLayouts/slideLayout1.xml><?xml version="1.0" encoding="utf-8"?>
@@ -254,7 +263,7 @@
           <a:p>
             <a:fld id="{20ABE509-9E11-4FA9-812A-149470DC1C8F}" type="datetimeFigureOut">
               <a:rPr lang="en-US" smtClean="0"/>
-              <a:t>11/19/2017</a:t>
+              <a:t>11/21/2017</a:t>
             </a:fld>
             <a:endParaRPr lang="en-US"/>
           </a:p>
@@ -452,7 +461,7 @@
           <a:p>
             <a:fld id="{20ABE509-9E11-4FA9-812A-149470DC1C8F}" type="datetimeFigureOut">
               <a:rPr lang="en-US" smtClean="0"/>
-              <a:t>11/19/2017</a:t>
+              <a:t>11/21/2017</a:t>
             </a:fld>
             <a:endParaRPr lang="en-US"/>
           </a:p>
@@ -660,7 +669,7 @@
           <a:p>
             <a:fld id="{20ABE509-9E11-4FA9-812A-149470DC1C8F}" type="datetimeFigureOut">
               <a:rPr lang="en-US" smtClean="0"/>
-              <a:t>11/19/2017</a:t>
+              <a:t>11/21/2017</a:t>
             </a:fld>
             <a:endParaRPr lang="en-US"/>
           </a:p>
@@ -858,7 +867,7 @@
           <a:p>
             <a:fld id="{20ABE509-9E11-4FA9-812A-149470DC1C8F}" type="datetimeFigureOut">
               <a:rPr lang="en-US" smtClean="0"/>
-              <a:t>11/19/2017</a:t>
+              <a:t>11/21/2017</a:t>
             </a:fld>
             <a:endParaRPr lang="en-US"/>
           </a:p>
@@ -1133,7 +1142,7 @@
           <a:p>
             <a:fld id="{20ABE509-9E11-4FA9-812A-149470DC1C8F}" type="datetimeFigureOut">
               <a:rPr lang="en-US" smtClean="0"/>
-              <a:t>11/19/2017</a:t>
+              <a:t>11/21/2017</a:t>
             </a:fld>
             <a:endParaRPr lang="en-US"/>
           </a:p>
@@ -1398,7 +1407,7 @@
           <a:p>
             <a:fld id="{20ABE509-9E11-4FA9-812A-149470DC1C8F}" type="datetimeFigureOut">
               <a:rPr lang="en-US" smtClean="0"/>
-              <a:t>11/19/2017</a:t>
+              <a:t>11/21/2017</a:t>
             </a:fld>
             <a:endParaRPr lang="en-US"/>
           </a:p>
@@ -1810,7 +1819,7 @@
           <a:p>
             <a:fld id="{20ABE509-9E11-4FA9-812A-149470DC1C8F}" type="datetimeFigureOut">
               <a:rPr lang="en-US" smtClean="0"/>
-              <a:t>11/19/2017</a:t>
+              <a:t>11/21/2017</a:t>
             </a:fld>
             <a:endParaRPr lang="en-US"/>
           </a:p>
@@ -1951,7 +1960,7 @@
           <a:p>
             <a:fld id="{20ABE509-9E11-4FA9-812A-149470DC1C8F}" type="datetimeFigureOut">
               <a:rPr lang="en-US" smtClean="0"/>
-              <a:t>11/19/2017</a:t>
+              <a:t>11/21/2017</a:t>
             </a:fld>
             <a:endParaRPr lang="en-US"/>
           </a:p>
@@ -2064,7 +2073,7 @@
           <a:p>
             <a:fld id="{20ABE509-9E11-4FA9-812A-149470DC1C8F}" type="datetimeFigureOut">
               <a:rPr lang="en-US" smtClean="0"/>
-              <a:t>11/19/2017</a:t>
+              <a:t>11/21/2017</a:t>
             </a:fld>
             <a:endParaRPr lang="en-US"/>
           </a:p>
@@ -2375,7 +2384,7 @@
           <a:p>
             <a:fld id="{20ABE509-9E11-4FA9-812A-149470DC1C8F}" type="datetimeFigureOut">
               <a:rPr lang="en-US" smtClean="0"/>
-              <a:t>11/19/2017</a:t>
+              <a:t>11/21/2017</a:t>
             </a:fld>
             <a:endParaRPr lang="en-US"/>
           </a:p>
@@ -2663,7 +2672,7 @@
           <a:p>
             <a:fld id="{20ABE509-9E11-4FA9-812A-149470DC1C8F}" type="datetimeFigureOut">
               <a:rPr lang="en-US" smtClean="0"/>
-              <a:t>11/19/2017</a:t>
+              <a:t>11/21/2017</a:t>
             </a:fld>
             <a:endParaRPr lang="en-US"/>
           </a:p>
@@ -2904,7 +2913,7 @@
           <a:p>
             <a:fld id="{20ABE509-9E11-4FA9-812A-149470DC1C8F}" type="datetimeFigureOut">
               <a:rPr lang="en-US" smtClean="0"/>
-              <a:t>11/19/2017</a:t>
+              <a:t>11/21/2017</a:t>
             </a:fld>
             <a:endParaRPr lang="en-US"/>
           </a:p>
@@ -3371,8 +3380,8 @@
         </p:nvSpPr>
         <p:spPr>
           <a:xfrm>
-            <a:off x="3160642" y="2068778"/>
-            <a:ext cx="1775792" cy="728870"/>
+            <a:off x="3160642" y="1971116"/>
+            <a:ext cx="1775792" cy="826532"/>
           </a:xfrm>
           <a:prstGeom prst="roundRect">
             <a:avLst/>
@@ -3411,7 +3420,7 @@
                   <a:schemeClr val="accent1"/>
                 </a:solidFill>
               </a:rPr>
-              <a:t>IBP clustering</a:t>
+              <a:t>IBP discovery of number of clusters</a:t>
             </a:r>
           </a:p>
         </p:txBody>
@@ -3509,7 +3518,7 @@
                   <a:schemeClr val="accent1"/>
                 </a:solidFill>
               </a:rPr>
-              <a:t>SM kernel learning</a:t>
+              <a:t>GP clustering with SM kernel</a:t>
             </a:r>
           </a:p>
         </p:txBody>
